--- a/nordaggle_slides.pptx
+++ b/nordaggle_slides.pptx
@@ -4328,15 +4328,7 @@
                 <a:cs typeface="Optima"/>
                 <a:hlinkClick r:id="rId2"/>
               </a:rPr>
-              <a:t>https://wiki.python.org/moin/</a:t>
-            </a:r>
-            <a:r>
-              <a:rPr lang="en-US" smtClean="0">
-                <a:latin typeface="Optima"/>
-                <a:cs typeface="Optima"/>
-                <a:hlinkClick r:id="rId2"/>
-              </a:rPr>
-              <a:t>PythonDebuggingTools</a:t>
+              <a:t>https://wiki.python.org/moin/PythonDebuggingTools</a:t>
             </a:r>
             <a:endParaRPr lang="en-US" dirty="0" smtClean="0"/>
           </a:p>

--- a/nordaggle_slides.pptx
+++ b/nordaggle_slides.pptx
@@ -7,11 +7,13 @@
   <p:sldIdLst>
     <p:sldId id="256" r:id="rId2"/>
     <p:sldId id="257" r:id="rId3"/>
-    <p:sldId id="258" r:id="rId4"/>
-    <p:sldId id="259" r:id="rId5"/>
-    <p:sldId id="260" r:id="rId6"/>
-    <p:sldId id="261" r:id="rId7"/>
-    <p:sldId id="262" r:id="rId8"/>
+    <p:sldId id="263" r:id="rId4"/>
+    <p:sldId id="264" r:id="rId5"/>
+    <p:sldId id="258" r:id="rId6"/>
+    <p:sldId id="259" r:id="rId7"/>
+    <p:sldId id="260" r:id="rId8"/>
+    <p:sldId id="261" r:id="rId9"/>
+    <p:sldId id="262" r:id="rId10"/>
   </p:sldIdLst>
   <p:sldSz cx="9144000" cy="6858000" type="screen4x3"/>
   <p:notesSz cx="6858000" cy="9144000"/>
@@ -294,7 +296,7 @@
           <a:p>
             <a:fld id="{13838A39-8FFE-084D-AF4A-9A5C30483D40}" type="datetimeFigureOut">
               <a:rPr lang="en-US" smtClean="0"/>
-              <a:t>2/17/16</a:t>
+              <a:t>2/18/16</a:t>
             </a:fld>
             <a:endParaRPr lang="en-US"/>
           </a:p>
@@ -464,7 +466,7 @@
           <a:p>
             <a:fld id="{13838A39-8FFE-084D-AF4A-9A5C30483D40}" type="datetimeFigureOut">
               <a:rPr lang="en-US" smtClean="0"/>
-              <a:t>2/17/16</a:t>
+              <a:t>2/18/16</a:t>
             </a:fld>
             <a:endParaRPr lang="en-US"/>
           </a:p>
@@ -644,7 +646,7 @@
           <a:p>
             <a:fld id="{13838A39-8FFE-084D-AF4A-9A5C30483D40}" type="datetimeFigureOut">
               <a:rPr lang="en-US" smtClean="0"/>
-              <a:t>2/17/16</a:t>
+              <a:t>2/18/16</a:t>
             </a:fld>
             <a:endParaRPr lang="en-US"/>
           </a:p>
@@ -814,7 +816,7 @@
           <a:p>
             <a:fld id="{13838A39-8FFE-084D-AF4A-9A5C30483D40}" type="datetimeFigureOut">
               <a:rPr lang="en-US" smtClean="0"/>
-              <a:t>2/17/16</a:t>
+              <a:t>2/18/16</a:t>
             </a:fld>
             <a:endParaRPr lang="en-US"/>
           </a:p>
@@ -1060,7 +1062,7 @@
           <a:p>
             <a:fld id="{13838A39-8FFE-084D-AF4A-9A5C30483D40}" type="datetimeFigureOut">
               <a:rPr lang="en-US" smtClean="0"/>
-              <a:t>2/17/16</a:t>
+              <a:t>2/18/16</a:t>
             </a:fld>
             <a:endParaRPr lang="en-US"/>
           </a:p>
@@ -1348,7 +1350,7 @@
           <a:p>
             <a:fld id="{13838A39-8FFE-084D-AF4A-9A5C30483D40}" type="datetimeFigureOut">
               <a:rPr lang="en-US" smtClean="0"/>
-              <a:t>2/17/16</a:t>
+              <a:t>2/18/16</a:t>
             </a:fld>
             <a:endParaRPr lang="en-US"/>
           </a:p>
@@ -1770,7 +1772,7 @@
           <a:p>
             <a:fld id="{13838A39-8FFE-084D-AF4A-9A5C30483D40}" type="datetimeFigureOut">
               <a:rPr lang="en-US" smtClean="0"/>
-              <a:t>2/17/16</a:t>
+              <a:t>2/18/16</a:t>
             </a:fld>
             <a:endParaRPr lang="en-US"/>
           </a:p>
@@ -1888,7 +1890,7 @@
           <a:p>
             <a:fld id="{13838A39-8FFE-084D-AF4A-9A5C30483D40}" type="datetimeFigureOut">
               <a:rPr lang="en-US" smtClean="0"/>
-              <a:t>2/17/16</a:t>
+              <a:t>2/18/16</a:t>
             </a:fld>
             <a:endParaRPr lang="en-US"/>
           </a:p>
@@ -1983,7 +1985,7 @@
           <a:p>
             <a:fld id="{13838A39-8FFE-084D-AF4A-9A5C30483D40}" type="datetimeFigureOut">
               <a:rPr lang="en-US" smtClean="0"/>
-              <a:t>2/17/16</a:t>
+              <a:t>2/18/16</a:t>
             </a:fld>
             <a:endParaRPr lang="en-US"/>
           </a:p>
@@ -2260,7 +2262,7 @@
           <a:p>
             <a:fld id="{13838A39-8FFE-084D-AF4A-9A5C30483D40}" type="datetimeFigureOut">
               <a:rPr lang="en-US" smtClean="0"/>
-              <a:t>2/17/16</a:t>
+              <a:t>2/18/16</a:t>
             </a:fld>
             <a:endParaRPr lang="en-US"/>
           </a:p>
@@ -2513,7 +2515,7 @@
           <a:p>
             <a:fld id="{13838A39-8FFE-084D-AF4A-9A5C30483D40}" type="datetimeFigureOut">
               <a:rPr lang="en-US" smtClean="0"/>
-              <a:t>2/17/16</a:t>
+              <a:t>2/18/16</a:t>
             </a:fld>
             <a:endParaRPr lang="en-US"/>
           </a:p>
@@ -2726,7 +2728,7 @@
           <a:p>
             <a:fld id="{13838A39-8FFE-084D-AF4A-9A5C30483D40}" type="datetimeFigureOut">
               <a:rPr lang="en-US" smtClean="0"/>
-              <a:t>2/17/16</a:t>
+              <a:t>2/18/16</a:t>
             </a:fld>
             <a:endParaRPr lang="en-US"/>
           </a:p>
@@ -3685,52 +3687,256 @@
       </p:grpSpPr>
       <p:sp>
         <p:nvSpPr>
-          <p:cNvPr id="2" name="Title 1"/>
-          <p:cNvSpPr>
-            <a:spLocks noGrp="1"/>
-          </p:cNvSpPr>
-          <p:nvPr>
-            <p:ph type="title"/>
-          </p:nvPr>
-        </p:nvSpPr>
-        <p:spPr/>
-        <p:txBody>
-          <a:bodyPr/>
-          <a:lstStyle/>
-          <a:p>
-            <a:endParaRPr lang="en-US"/>
-          </a:p>
-        </p:txBody>
-      </p:sp>
-      <p:sp>
-        <p:nvSpPr>
-          <p:cNvPr id="3" name="Content Placeholder 2"/>
-          <p:cNvSpPr>
-            <a:spLocks noGrp="1"/>
-          </p:cNvSpPr>
-          <p:nvPr>
-            <p:ph idx="1"/>
-          </p:nvPr>
-        </p:nvSpPr>
-        <p:spPr/>
-        <p:txBody>
-          <a:bodyPr/>
-          <a:lstStyle/>
-          <a:p>
-            <a:endParaRPr lang="en-US"/>
+          <p:cNvPr id="4" name="Shape 39"/>
+          <p:cNvSpPr>
+            <a:spLocks noGrp="1"/>
+          </p:cNvSpPr>
+          <p:nvPr>
+            <p:ph type="ctrTitle"/>
+          </p:nvPr>
+        </p:nvSpPr>
+        <p:spPr>
+          <a:xfrm>
+            <a:off x="0" y="0"/>
+            <a:ext cx="9144000" cy="2219158"/>
+          </a:xfrm>
+          <a:prstGeom prst="rect">
+            <a:avLst/>
+          </a:prstGeom>
+          <a:solidFill>
+            <a:schemeClr val="bg1">
+              <a:lumMod val="85000"/>
+            </a:schemeClr>
+          </a:solidFill>
+        </p:spPr>
+        <p:txBody>
+          <a:bodyPr>
+            <a:normAutofit/>
+          </a:bodyPr>
+          <a:lstStyle>
+            <a:lvl1pPr>
+              <a:defRPr sz="2700" spc="431">
+                <a:solidFill>
+                  <a:srgbClr val="FDA600"/>
+                </a:solidFill>
+                <a:latin typeface="Optima"/>
+                <a:ea typeface="Optima"/>
+                <a:cs typeface="Optima"/>
+                <a:sym typeface="Optima"/>
+              </a:defRPr>
+            </a:lvl1pPr>
+          </a:lstStyle>
+          <a:p>
+            <a:pPr lvl="0">
+              <a:lnSpc>
+                <a:spcPct val="50000"/>
+              </a:lnSpc>
+              <a:defRPr sz="1800" cap="none" spc="0">
+                <a:solidFill>
+                  <a:srgbClr val="000000"/>
+                </a:solidFill>
+              </a:defRPr>
+            </a:pPr>
+            <a:r>
+              <a:rPr lang="en-US" sz="5400" cap="all" spc="431" dirty="0" smtClean="0">
+                <a:solidFill>
+                  <a:srgbClr val="FDA600"/>
+                </a:solidFill>
+              </a:rPr>
+              <a:t>Special Thanks</a:t>
+            </a:r>
+            <a:endParaRPr sz="3600" cap="all" spc="431" dirty="0">
+              <a:solidFill>
+                <a:schemeClr val="accent6"/>
+              </a:solidFill>
+            </a:endParaRPr>
+          </a:p>
+        </p:txBody>
+      </p:sp>
+      <p:sp>
+        <p:nvSpPr>
+          <p:cNvPr id="3" name="TextBox 2"/>
+          <p:cNvSpPr txBox="1"/>
+          <p:nvPr/>
+        </p:nvSpPr>
+        <p:spPr>
+          <a:xfrm>
+            <a:off x="672353" y="2419678"/>
+            <a:ext cx="8471647" cy="3539431"/>
+          </a:xfrm>
+          <a:prstGeom prst="rect">
+            <a:avLst/>
+          </a:prstGeom>
+          <a:noFill/>
+        </p:spPr>
+        <p:txBody>
+          <a:bodyPr wrap="square" rtlCol="0">
+            <a:spAutoFit/>
+          </a:bodyPr>
+          <a:lstStyle/>
+          <a:p>
+            <a:r>
+              <a:rPr lang="en-US" sz="2800" b="1" dirty="0" smtClean="0">
+                <a:latin typeface="Optima"/>
+                <a:cs typeface="Optima"/>
+              </a:rPr>
+              <a:t>Melissa </a:t>
+            </a:r>
+            <a:r>
+              <a:rPr lang="en-US" sz="2800" b="1" dirty="0" err="1" smtClean="0">
+                <a:latin typeface="Optima"/>
+                <a:cs typeface="Optima"/>
+              </a:rPr>
+              <a:t>Haklitch</a:t>
+            </a:r>
+            <a:r>
+              <a:rPr lang="en-US" sz="2800" b="1" dirty="0" smtClean="0">
+                <a:latin typeface="Optima"/>
+                <a:cs typeface="Optima"/>
+              </a:rPr>
+              <a:t> </a:t>
+            </a:r>
+            <a:r>
+              <a:rPr lang="en-US" sz="2800" dirty="0" smtClean="0">
+                <a:latin typeface="Optima"/>
+                <a:cs typeface="Optima"/>
+              </a:rPr>
+              <a:t>– </a:t>
+            </a:r>
+            <a:r>
+              <a:rPr lang="en-US" sz="2800" dirty="0" smtClean="0">
+                <a:latin typeface="Optima"/>
+                <a:cs typeface="Optima"/>
+              </a:rPr>
+              <a:t>logistics extraordinaire </a:t>
+            </a:r>
+            <a:r>
+              <a:rPr lang="en-US" sz="2800" dirty="0" smtClean="0">
+                <a:latin typeface="Optima"/>
+                <a:cs typeface="Optima"/>
+                <a:sym typeface="Wingdings"/>
+              </a:rPr>
+              <a:t></a:t>
+            </a:r>
+            <a:endParaRPr lang="en-US" sz="2800" dirty="0" smtClean="0">
+              <a:latin typeface="Optima"/>
+              <a:cs typeface="Optima"/>
+            </a:endParaRPr>
+          </a:p>
+          <a:p>
+            <a:endParaRPr lang="en-US" sz="2800" b="1" dirty="0">
+              <a:latin typeface="Optima"/>
+              <a:cs typeface="Optima"/>
+            </a:endParaRPr>
+          </a:p>
+          <a:p>
+            <a:r>
+              <a:rPr lang="en-US" sz="2800" b="1" dirty="0" smtClean="0">
+                <a:latin typeface="Optima"/>
+                <a:cs typeface="Optima"/>
+              </a:rPr>
+              <a:t>Jason </a:t>
+            </a:r>
+            <a:r>
+              <a:rPr lang="en-US" sz="2800" b="1" dirty="0" err="1" smtClean="0">
+                <a:latin typeface="Optima"/>
+                <a:cs typeface="Optima"/>
+              </a:rPr>
+              <a:t>Gowans</a:t>
+            </a:r>
+            <a:r>
+              <a:rPr lang="en-US" sz="2800" b="1" dirty="0" smtClean="0">
+                <a:latin typeface="Optima"/>
+                <a:cs typeface="Optima"/>
+              </a:rPr>
+              <a:t> and the Data Lab </a:t>
+            </a:r>
+            <a:r>
+              <a:rPr lang="en-US" sz="2800" dirty="0" smtClean="0">
+                <a:latin typeface="Optima"/>
+                <a:cs typeface="Optima"/>
+              </a:rPr>
+              <a:t>– Food and Drink</a:t>
+            </a:r>
+            <a:endParaRPr lang="en-US" sz="2800" dirty="0">
+              <a:latin typeface="Optima"/>
+              <a:cs typeface="Optima"/>
+            </a:endParaRPr>
+          </a:p>
+          <a:p>
+            <a:endParaRPr lang="en-US" sz="2800" b="1" dirty="0">
+              <a:latin typeface="Optima"/>
+              <a:cs typeface="Optima"/>
+            </a:endParaRPr>
+          </a:p>
+          <a:p>
+            <a:r>
+              <a:rPr lang="en-US" sz="2800" b="1" dirty="0" smtClean="0">
+                <a:latin typeface="Optima"/>
+                <a:cs typeface="Optima"/>
+              </a:rPr>
+              <a:t>Heidi Whiting and James </a:t>
+            </a:r>
+            <a:r>
+              <a:rPr lang="en-US" sz="2800" b="1" dirty="0" err="1" smtClean="0">
+                <a:latin typeface="Optima"/>
+                <a:cs typeface="Optima"/>
+              </a:rPr>
+              <a:t>Pestrak</a:t>
+            </a:r>
+            <a:r>
+              <a:rPr lang="en-US" sz="2800" b="1" dirty="0" smtClean="0">
+                <a:latin typeface="Optima"/>
+                <a:cs typeface="Optima"/>
+              </a:rPr>
+              <a:t> </a:t>
+            </a:r>
+            <a:r>
+              <a:rPr lang="en-US" sz="2800" dirty="0" smtClean="0">
+                <a:latin typeface="Optima"/>
+                <a:cs typeface="Optima"/>
+              </a:rPr>
+              <a:t>– python/pip installation</a:t>
+            </a:r>
+          </a:p>
+          <a:p>
+            <a:endParaRPr lang="en-US" sz="2800" dirty="0">
+              <a:latin typeface="Optima"/>
+              <a:cs typeface="Optima"/>
+            </a:endParaRPr>
+          </a:p>
+          <a:p>
+            <a:r>
+              <a:rPr lang="en-US" sz="2800" b="1" dirty="0" smtClean="0">
+                <a:latin typeface="Optima"/>
+                <a:cs typeface="Optima"/>
+              </a:rPr>
+              <a:t>Our TA’s!</a:t>
+            </a:r>
+            <a:endParaRPr lang="en-US" sz="2800" b="1" dirty="0">
+              <a:latin typeface="Optima"/>
+              <a:cs typeface="Optima"/>
+            </a:endParaRPr>
           </a:p>
         </p:txBody>
       </p:sp>
     </p:spTree>
     <p:extLst>
       <p:ext uri="{BB962C8B-B14F-4D97-AF65-F5344CB8AC3E}">
-        <p14:creationId xmlns:p14="http://schemas.microsoft.com/office/powerpoint/2010/main" val="385308550"/>
+        <p14:creationId xmlns:p14="http://schemas.microsoft.com/office/powerpoint/2010/main" val="698792533"/>
       </p:ext>
     </p:extLst>
   </p:cSld>
   <p:clrMapOvr>
     <a:masterClrMapping/>
   </p:clrMapOvr>
+  <p:timing>
+    <p:tnLst>
+      <p:par>
+        <p:cTn xmlns:p14="http://schemas.microsoft.com/office/powerpoint/2010/main" id="1" dur="indefinite" restart="never" nodeType="tmRoot"/>
+      </p:par>
+    </p:tnLst>
+  </p:timing>
 </p:sld>
 </file>
 
@@ -3753,182 +3959,171 @@
       </p:grpSpPr>
       <p:sp>
         <p:nvSpPr>
-          <p:cNvPr id="2" name="Title 1"/>
-          <p:cNvSpPr>
-            <a:spLocks noGrp="1"/>
-          </p:cNvSpPr>
-          <p:nvPr>
-            <p:ph type="title"/>
-          </p:nvPr>
-        </p:nvSpPr>
-        <p:spPr/>
-        <p:txBody>
-          <a:bodyPr/>
-          <a:lstStyle/>
-          <a:p>
-            <a:r>
-              <a:rPr lang="en-US" dirty="0" smtClean="0">
-                <a:latin typeface="Optima"/>
-                <a:cs typeface="Optima"/>
-              </a:rPr>
-              <a:t>What Next?</a:t>
-            </a:r>
-            <a:endParaRPr lang="en-US" dirty="0">
+          <p:cNvPr id="4" name="Shape 39"/>
+          <p:cNvSpPr>
+            <a:spLocks noGrp="1"/>
+          </p:cNvSpPr>
+          <p:nvPr>
+            <p:ph type="ctrTitle"/>
+          </p:nvPr>
+        </p:nvSpPr>
+        <p:spPr>
+          <a:xfrm>
+            <a:off x="0" y="0"/>
+            <a:ext cx="9144000" cy="2219158"/>
+          </a:xfrm>
+          <a:prstGeom prst="rect">
+            <a:avLst/>
+          </a:prstGeom>
+          <a:solidFill>
+            <a:schemeClr val="bg1">
+              <a:lumMod val="85000"/>
+            </a:schemeClr>
+          </a:solidFill>
+        </p:spPr>
+        <p:txBody>
+          <a:bodyPr>
+            <a:normAutofit/>
+          </a:bodyPr>
+          <a:lstStyle>
+            <a:lvl1pPr>
+              <a:defRPr sz="2700" spc="431">
+                <a:solidFill>
+                  <a:srgbClr val="FDA600"/>
+                </a:solidFill>
+                <a:latin typeface="Optima"/>
+                <a:ea typeface="Optima"/>
+                <a:cs typeface="Optima"/>
+                <a:sym typeface="Optima"/>
+              </a:defRPr>
+            </a:lvl1pPr>
+          </a:lstStyle>
+          <a:p>
+            <a:pPr lvl="0">
+              <a:lnSpc>
+                <a:spcPct val="50000"/>
+              </a:lnSpc>
+              <a:defRPr sz="1800" cap="none" spc="0">
+                <a:solidFill>
+                  <a:srgbClr val="000000"/>
+                </a:solidFill>
+              </a:defRPr>
+            </a:pPr>
+            <a:r>
+              <a:rPr lang="en-US" sz="5400" cap="all" spc="431" dirty="0" smtClean="0">
+                <a:solidFill>
+                  <a:srgbClr val="FDA600"/>
+                </a:solidFill>
+              </a:rPr>
+              <a:t>Special Thanks</a:t>
+            </a:r>
+            <a:endParaRPr sz="3600" cap="all" spc="431" dirty="0">
+              <a:solidFill>
+                <a:schemeClr val="accent6"/>
+              </a:solidFill>
+            </a:endParaRPr>
+          </a:p>
+        </p:txBody>
+      </p:sp>
+      <p:sp>
+        <p:nvSpPr>
+          <p:cNvPr id="3" name="TextBox 2"/>
+          <p:cNvSpPr txBox="1"/>
+          <p:nvPr/>
+        </p:nvSpPr>
+        <p:spPr>
+          <a:xfrm>
+            <a:off x="672353" y="2419678"/>
+            <a:ext cx="8471647" cy="4278094"/>
+          </a:xfrm>
+          <a:prstGeom prst="rect">
+            <a:avLst/>
+          </a:prstGeom>
+          <a:noFill/>
+        </p:spPr>
+        <p:txBody>
+          <a:bodyPr wrap="square" rtlCol="0">
+            <a:spAutoFit/>
+          </a:bodyPr>
+          <a:lstStyle/>
+          <a:p>
+            <a:r>
+              <a:rPr lang="en-US" sz="4000" b="1" dirty="0" smtClean="0">
+                <a:latin typeface="Optima"/>
+                <a:cs typeface="Optima"/>
+              </a:rPr>
+              <a:t>You!</a:t>
+            </a:r>
+          </a:p>
+          <a:p>
+            <a:endParaRPr lang="en-US" sz="4000" b="1" dirty="0">
               <a:latin typeface="Optima"/>
               <a:cs typeface="Optima"/>
             </a:endParaRPr>
           </a:p>
-        </p:txBody>
-      </p:sp>
-      <p:sp>
-        <p:nvSpPr>
-          <p:cNvPr id="3" name="Content Placeholder 2"/>
-          <p:cNvSpPr>
-            <a:spLocks noGrp="1"/>
-          </p:cNvSpPr>
-          <p:nvPr>
-            <p:ph idx="1"/>
-          </p:nvPr>
-        </p:nvSpPr>
-        <p:spPr/>
-        <p:txBody>
-          <a:bodyPr/>
-          <a:lstStyle/>
-          <a:p>
-            <a:r>
-              <a:rPr lang="en-US" dirty="0" smtClean="0">
-                <a:latin typeface="Optima"/>
-                <a:cs typeface="Optima"/>
-              </a:rPr>
-              <a:t>Build an executable python script. </a:t>
-            </a:r>
-          </a:p>
-          <a:p>
-            <a:pPr marL="0" indent="0">
-              <a:buNone/>
+          <a:p>
+            <a:pPr marL="457200" indent="-457200">
+              <a:buFont typeface="Arial"/>
+              <a:buChar char="•"/>
             </a:pPr>
             <a:r>
-              <a:rPr lang="en-US" dirty="0" smtClean="0">
-                <a:latin typeface="Optima"/>
-                <a:cs typeface="Optima"/>
-              </a:rPr>
-              <a:t>For example:  </a:t>
-            </a:r>
-          </a:p>
-          <a:p>
-            <a:pPr lvl="1"/>
-            <a:r>
-              <a:rPr lang="en-US" dirty="0" smtClean="0">
-                <a:latin typeface="Optima"/>
-                <a:cs typeface="Optima"/>
-              </a:rPr>
-              <a:t>Create a file named </a:t>
-            </a:r>
-            <a:r>
-              <a:rPr lang="en-US" dirty="0" err="1" smtClean="0">
-                <a:latin typeface="Optima"/>
-                <a:cs typeface="Optima"/>
-              </a:rPr>
-              <a:t>example.py</a:t>
-            </a:r>
-            <a:r>
-              <a:rPr lang="en-US" dirty="0" smtClean="0">
-                <a:latin typeface="Optima"/>
-                <a:cs typeface="Optima"/>
-              </a:rPr>
-              <a:t> (note the ‘.</a:t>
-            </a:r>
-            <a:r>
-              <a:rPr lang="en-US" dirty="0" err="1" smtClean="0">
-                <a:latin typeface="Optima"/>
-                <a:cs typeface="Optima"/>
-              </a:rPr>
-              <a:t>py</a:t>
-            </a:r>
-            <a:r>
-              <a:rPr lang="en-US" dirty="0" smtClean="0">
-                <a:latin typeface="Optima"/>
-                <a:cs typeface="Optima"/>
-              </a:rPr>
-              <a:t>)</a:t>
-            </a:r>
-          </a:p>
-          <a:p>
-            <a:pPr lvl="1"/>
-            <a:r>
-              <a:rPr lang="en-US" dirty="0" smtClean="0">
-                <a:latin typeface="Optima"/>
-                <a:cs typeface="Optima"/>
-              </a:rPr>
-              <a:t>In </a:t>
-            </a:r>
-            <a:r>
-              <a:rPr lang="en-US" dirty="0" err="1" smtClean="0">
-                <a:latin typeface="Optima"/>
-                <a:cs typeface="Optima"/>
-              </a:rPr>
-              <a:t>example.py</a:t>
-            </a:r>
-            <a:r>
-              <a:rPr lang="en-US" dirty="0" smtClean="0">
-                <a:latin typeface="Optima"/>
-                <a:cs typeface="Optima"/>
-              </a:rPr>
-              <a:t> write an example python script (e.g.:  print(‘Hello world!’)), save and close.</a:t>
-            </a:r>
-          </a:p>
-          <a:p>
-            <a:pPr lvl="1"/>
-            <a:r>
-              <a:rPr lang="en-US" dirty="0" smtClean="0">
-                <a:latin typeface="Optima"/>
-                <a:cs typeface="Optima"/>
-              </a:rPr>
-              <a:t>At the command line type:  </a:t>
-            </a:r>
-          </a:p>
-          <a:p>
-            <a:pPr lvl="2"/>
-            <a:r>
-              <a:rPr lang="en-US" dirty="0" smtClean="0">
-                <a:latin typeface="Optima"/>
-                <a:cs typeface="Optima"/>
-              </a:rPr>
-              <a:t>python </a:t>
-            </a:r>
-            <a:r>
-              <a:rPr lang="en-US" dirty="0" err="1" smtClean="0">
-                <a:latin typeface="Optima"/>
-                <a:cs typeface="Optima"/>
-              </a:rPr>
-              <a:t>example.py</a:t>
-            </a:r>
-            <a:endParaRPr lang="en-US" dirty="0" smtClean="0">
+              <a:rPr lang="en-US" sz="2800" dirty="0" smtClean="0">
+                <a:latin typeface="Optima"/>
+                <a:cs typeface="Optima"/>
+              </a:rPr>
+              <a:t>212 Officially Signed Up</a:t>
+            </a:r>
+          </a:p>
+          <a:p>
+            <a:endParaRPr lang="en-US" sz="2800" dirty="0" smtClean="0">
               <a:latin typeface="Optima"/>
               <a:cs typeface="Optima"/>
             </a:endParaRPr>
           </a:p>
           <a:p>
-            <a:pPr marL="914400" lvl="2" indent="0">
-              <a:buNone/>
+            <a:pPr marL="457200" indent="-457200">
+              <a:buFont typeface="Arial"/>
+              <a:buChar char="•"/>
             </a:pPr>
-            <a:endParaRPr lang="en-US" dirty="0" smtClean="0">
+            <a:r>
+              <a:rPr lang="en-US" sz="2800" dirty="0" smtClean="0">
+                <a:latin typeface="Optima"/>
+                <a:cs typeface="Optima"/>
+              </a:rPr>
+              <a:t>105 Beginner, 81 Intermediate and 22 Expert Programmers (4 no response)</a:t>
+            </a:r>
+          </a:p>
+          <a:p>
+            <a:endParaRPr lang="en-US" sz="4000" b="1" dirty="0">
               <a:latin typeface="Optima"/>
               <a:cs typeface="Optima"/>
             </a:endParaRPr>
           </a:p>
+          <a:p>
+            <a:endParaRPr lang="en-US" sz="4000" b="1" dirty="0">
+              <a:latin typeface="Optima"/>
+              <a:cs typeface="Optima"/>
+            </a:endParaRPr>
+          </a:p>
         </p:txBody>
       </p:sp>
     </p:spTree>
     <p:extLst>
       <p:ext uri="{BB962C8B-B14F-4D97-AF65-F5344CB8AC3E}">
-        <p14:creationId xmlns:p14="http://schemas.microsoft.com/office/powerpoint/2010/main" val="1608240183"/>
+        <p14:creationId xmlns:p14="http://schemas.microsoft.com/office/powerpoint/2010/main" val="1928239727"/>
       </p:ext>
     </p:extLst>
   </p:cSld>
   <p:clrMapOvr>
     <a:masterClrMapping/>
   </p:clrMapOvr>
+  <p:timing>
+    <p:tnLst>
+      <p:par>
+        <p:cTn xmlns:p14="http://schemas.microsoft.com/office/powerpoint/2010/main" id="1" dur="indefinite" restart="never" nodeType="tmRoot"/>
+      </p:par>
+    </p:tnLst>
+  </p:timing>
 </p:sld>
 </file>
 
@@ -3964,17 +4159,7 @@
           <a:bodyPr/>
           <a:lstStyle/>
           <a:p>
-            <a:r>
-              <a:rPr lang="en-US" dirty="0" smtClean="0">
-                <a:latin typeface="Optima"/>
-                <a:cs typeface="Optima"/>
-              </a:rPr>
-              <a:t>What Next?</a:t>
-            </a:r>
-            <a:endParaRPr lang="en-US" dirty="0">
-              <a:latin typeface="Optima"/>
-              <a:cs typeface="Optima"/>
-            </a:endParaRPr>
+            <a:endParaRPr lang="en-US"/>
           </a:p>
         </p:txBody>
       </p:sp>
@@ -3993,86 +4178,14 @@
           <a:bodyPr/>
           <a:lstStyle/>
           <a:p>
-            <a:r>
-              <a:rPr lang="en-US" dirty="0" smtClean="0">
-                <a:latin typeface="Optima"/>
-                <a:cs typeface="Optima"/>
-              </a:rPr>
-              <a:t>Use the </a:t>
-            </a:r>
-            <a:r>
-              <a:rPr lang="en-US" dirty="0" err="1" smtClean="0">
-                <a:latin typeface="Optima"/>
-                <a:cs typeface="Optima"/>
-              </a:rPr>
-              <a:t>ipython</a:t>
-            </a:r>
-            <a:r>
-              <a:rPr lang="en-US" dirty="0" smtClean="0">
-                <a:latin typeface="Optima"/>
-                <a:cs typeface="Optima"/>
-              </a:rPr>
-              <a:t> interactive shell</a:t>
-            </a:r>
-          </a:p>
-          <a:p>
-            <a:pPr marL="0" indent="0">
-              <a:buNone/>
-            </a:pPr>
-            <a:r>
-              <a:rPr lang="en-US" dirty="0" smtClean="0">
-                <a:latin typeface="Optima"/>
-                <a:cs typeface="Optima"/>
-              </a:rPr>
-              <a:t>For example:  </a:t>
-            </a:r>
-          </a:p>
-          <a:p>
-            <a:pPr lvl="1"/>
-            <a:r>
-              <a:rPr lang="en-US" dirty="0" smtClean="0">
-                <a:latin typeface="Optima"/>
-                <a:cs typeface="Optima"/>
-              </a:rPr>
-              <a:t>At the command line type:  </a:t>
-            </a:r>
-            <a:r>
-              <a:rPr lang="en-US" dirty="0" err="1" smtClean="0">
-                <a:latin typeface="Optima"/>
-                <a:cs typeface="Optima"/>
-              </a:rPr>
-              <a:t>ipython</a:t>
-            </a:r>
-            <a:endParaRPr lang="en-US" dirty="0" smtClean="0">
-              <a:latin typeface="Optima"/>
-              <a:cs typeface="Optima"/>
-            </a:endParaRPr>
-          </a:p>
-          <a:p>
-            <a:pPr lvl="1"/>
-            <a:r>
-              <a:rPr lang="en-US" dirty="0" smtClean="0">
-                <a:latin typeface="Optima"/>
-                <a:cs typeface="Optima"/>
-              </a:rPr>
-              <a:t>Start writing python code like you did with notebooks</a:t>
-            </a:r>
-          </a:p>
-          <a:p>
-            <a:pPr marL="914400" lvl="2" indent="0">
-              <a:buNone/>
-            </a:pPr>
-            <a:endParaRPr lang="en-US" dirty="0" smtClean="0">
-              <a:latin typeface="Optima"/>
-              <a:cs typeface="Optima"/>
-            </a:endParaRPr>
+            <a:endParaRPr lang="en-US"/>
           </a:p>
         </p:txBody>
       </p:sp>
     </p:spTree>
     <p:extLst>
       <p:ext uri="{BB962C8B-B14F-4D97-AF65-F5344CB8AC3E}">
-        <p14:creationId xmlns:p14="http://schemas.microsoft.com/office/powerpoint/2010/main" val="3879533730"/>
+        <p14:creationId xmlns:p14="http://schemas.microsoft.com/office/powerpoint/2010/main" val="385308550"/>
       </p:ext>
     </p:extLst>
   </p:cSld>
@@ -4148,6 +4261,354 @@
                 <a:latin typeface="Optima"/>
                 <a:cs typeface="Optima"/>
               </a:rPr>
+              <a:t>Build an executable python script. </a:t>
+            </a:r>
+          </a:p>
+          <a:p>
+            <a:pPr marL="0" indent="0">
+              <a:buNone/>
+            </a:pPr>
+            <a:r>
+              <a:rPr lang="en-US" dirty="0" smtClean="0">
+                <a:latin typeface="Optima"/>
+                <a:cs typeface="Optima"/>
+              </a:rPr>
+              <a:t>For example:  </a:t>
+            </a:r>
+          </a:p>
+          <a:p>
+            <a:pPr lvl="1"/>
+            <a:r>
+              <a:rPr lang="en-US" dirty="0" smtClean="0">
+                <a:latin typeface="Optima"/>
+                <a:cs typeface="Optima"/>
+              </a:rPr>
+              <a:t>Create a file named </a:t>
+            </a:r>
+            <a:r>
+              <a:rPr lang="en-US" dirty="0" err="1" smtClean="0">
+                <a:latin typeface="Optima"/>
+                <a:cs typeface="Optima"/>
+              </a:rPr>
+              <a:t>example.py</a:t>
+            </a:r>
+            <a:r>
+              <a:rPr lang="en-US" dirty="0" smtClean="0">
+                <a:latin typeface="Optima"/>
+                <a:cs typeface="Optima"/>
+              </a:rPr>
+              <a:t> (note the ‘.</a:t>
+            </a:r>
+            <a:r>
+              <a:rPr lang="en-US" dirty="0" err="1" smtClean="0">
+                <a:latin typeface="Optima"/>
+                <a:cs typeface="Optima"/>
+              </a:rPr>
+              <a:t>py</a:t>
+            </a:r>
+            <a:r>
+              <a:rPr lang="en-US" dirty="0" smtClean="0">
+                <a:latin typeface="Optima"/>
+                <a:cs typeface="Optima"/>
+              </a:rPr>
+              <a:t>)</a:t>
+            </a:r>
+          </a:p>
+          <a:p>
+            <a:pPr lvl="1"/>
+            <a:r>
+              <a:rPr lang="en-US" dirty="0" smtClean="0">
+                <a:latin typeface="Optima"/>
+                <a:cs typeface="Optima"/>
+              </a:rPr>
+              <a:t>In </a:t>
+            </a:r>
+            <a:r>
+              <a:rPr lang="en-US" dirty="0" err="1" smtClean="0">
+                <a:latin typeface="Optima"/>
+                <a:cs typeface="Optima"/>
+              </a:rPr>
+              <a:t>example.py</a:t>
+            </a:r>
+            <a:r>
+              <a:rPr lang="en-US" dirty="0" smtClean="0">
+                <a:latin typeface="Optima"/>
+                <a:cs typeface="Optima"/>
+              </a:rPr>
+              <a:t> write an example python script (e.g.:  print(‘Hello world!’)), save and close.</a:t>
+            </a:r>
+          </a:p>
+          <a:p>
+            <a:pPr lvl="1"/>
+            <a:r>
+              <a:rPr lang="en-US" dirty="0" smtClean="0">
+                <a:latin typeface="Optima"/>
+                <a:cs typeface="Optima"/>
+              </a:rPr>
+              <a:t>At the command line type:  </a:t>
+            </a:r>
+          </a:p>
+          <a:p>
+            <a:pPr lvl="2"/>
+            <a:r>
+              <a:rPr lang="en-US" dirty="0" smtClean="0">
+                <a:latin typeface="Optima"/>
+                <a:cs typeface="Optima"/>
+              </a:rPr>
+              <a:t>python </a:t>
+            </a:r>
+            <a:r>
+              <a:rPr lang="en-US" dirty="0" err="1" smtClean="0">
+                <a:latin typeface="Optima"/>
+                <a:cs typeface="Optima"/>
+              </a:rPr>
+              <a:t>example.py</a:t>
+            </a:r>
+            <a:endParaRPr lang="en-US" dirty="0" smtClean="0">
+              <a:latin typeface="Optima"/>
+              <a:cs typeface="Optima"/>
+            </a:endParaRPr>
+          </a:p>
+          <a:p>
+            <a:pPr marL="914400" lvl="2" indent="0">
+              <a:buNone/>
+            </a:pPr>
+            <a:endParaRPr lang="en-US" dirty="0" smtClean="0">
+              <a:latin typeface="Optima"/>
+              <a:cs typeface="Optima"/>
+            </a:endParaRPr>
+          </a:p>
+        </p:txBody>
+      </p:sp>
+    </p:spTree>
+    <p:extLst>
+      <p:ext uri="{BB962C8B-B14F-4D97-AF65-F5344CB8AC3E}">
+        <p14:creationId xmlns:p14="http://schemas.microsoft.com/office/powerpoint/2010/main" val="1608240183"/>
+      </p:ext>
+    </p:extLst>
+  </p:cSld>
+  <p:clrMapOvr>
+    <a:masterClrMapping/>
+  </p:clrMapOvr>
+</p:sld>
+</file>
+
+<file path=ppt/slides/slide7.xml><?xml version="1.0" encoding="utf-8"?>
+<p:sld xmlns:a="http://schemas.openxmlformats.org/drawingml/2006/main" xmlns:r="http://schemas.openxmlformats.org/officeDocument/2006/relationships" xmlns:p="http://schemas.openxmlformats.org/presentationml/2006/main">
+  <p:cSld>
+    <p:spTree>
+      <p:nvGrpSpPr>
+        <p:cNvPr id="1" name=""/>
+        <p:cNvGrpSpPr/>
+        <p:nvPr/>
+      </p:nvGrpSpPr>
+      <p:grpSpPr>
+        <a:xfrm>
+          <a:off x="0" y="0"/>
+          <a:ext cx="0" cy="0"/>
+          <a:chOff x="0" y="0"/>
+          <a:chExt cx="0" cy="0"/>
+        </a:xfrm>
+      </p:grpSpPr>
+      <p:sp>
+        <p:nvSpPr>
+          <p:cNvPr id="2" name="Title 1"/>
+          <p:cNvSpPr>
+            <a:spLocks noGrp="1"/>
+          </p:cNvSpPr>
+          <p:nvPr>
+            <p:ph type="title"/>
+          </p:nvPr>
+        </p:nvSpPr>
+        <p:spPr/>
+        <p:txBody>
+          <a:bodyPr/>
+          <a:lstStyle/>
+          <a:p>
+            <a:r>
+              <a:rPr lang="en-US" dirty="0" smtClean="0">
+                <a:latin typeface="Optima"/>
+                <a:cs typeface="Optima"/>
+              </a:rPr>
+              <a:t>What Next?</a:t>
+            </a:r>
+            <a:endParaRPr lang="en-US" dirty="0">
+              <a:latin typeface="Optima"/>
+              <a:cs typeface="Optima"/>
+            </a:endParaRPr>
+          </a:p>
+        </p:txBody>
+      </p:sp>
+      <p:sp>
+        <p:nvSpPr>
+          <p:cNvPr id="3" name="Content Placeholder 2"/>
+          <p:cNvSpPr>
+            <a:spLocks noGrp="1"/>
+          </p:cNvSpPr>
+          <p:nvPr>
+            <p:ph idx="1"/>
+          </p:nvPr>
+        </p:nvSpPr>
+        <p:spPr/>
+        <p:txBody>
+          <a:bodyPr/>
+          <a:lstStyle/>
+          <a:p>
+            <a:r>
+              <a:rPr lang="en-US" dirty="0" smtClean="0">
+                <a:latin typeface="Optima"/>
+                <a:cs typeface="Optima"/>
+              </a:rPr>
+              <a:t>Use the </a:t>
+            </a:r>
+            <a:r>
+              <a:rPr lang="en-US" dirty="0" err="1" smtClean="0">
+                <a:latin typeface="Optima"/>
+                <a:cs typeface="Optima"/>
+              </a:rPr>
+              <a:t>ipython</a:t>
+            </a:r>
+            <a:r>
+              <a:rPr lang="en-US" dirty="0" smtClean="0">
+                <a:latin typeface="Optima"/>
+                <a:cs typeface="Optima"/>
+              </a:rPr>
+              <a:t> interactive shell</a:t>
+            </a:r>
+          </a:p>
+          <a:p>
+            <a:pPr marL="0" indent="0">
+              <a:buNone/>
+            </a:pPr>
+            <a:r>
+              <a:rPr lang="en-US" dirty="0" smtClean="0">
+                <a:latin typeface="Optima"/>
+                <a:cs typeface="Optima"/>
+              </a:rPr>
+              <a:t>For example:  </a:t>
+            </a:r>
+          </a:p>
+          <a:p>
+            <a:pPr lvl="1"/>
+            <a:r>
+              <a:rPr lang="en-US" dirty="0" smtClean="0">
+                <a:latin typeface="Optima"/>
+                <a:cs typeface="Optima"/>
+              </a:rPr>
+              <a:t>At the command line type:  </a:t>
+            </a:r>
+            <a:r>
+              <a:rPr lang="en-US" dirty="0" err="1" smtClean="0">
+                <a:latin typeface="Optima"/>
+                <a:cs typeface="Optima"/>
+              </a:rPr>
+              <a:t>ipython</a:t>
+            </a:r>
+            <a:endParaRPr lang="en-US" dirty="0" smtClean="0">
+              <a:latin typeface="Optima"/>
+              <a:cs typeface="Optima"/>
+            </a:endParaRPr>
+          </a:p>
+          <a:p>
+            <a:pPr lvl="1"/>
+            <a:r>
+              <a:rPr lang="en-US" dirty="0" smtClean="0">
+                <a:latin typeface="Optima"/>
+                <a:cs typeface="Optima"/>
+              </a:rPr>
+              <a:t>Start writing python code like you did with notebooks</a:t>
+            </a:r>
+          </a:p>
+          <a:p>
+            <a:pPr marL="914400" lvl="2" indent="0">
+              <a:buNone/>
+            </a:pPr>
+            <a:endParaRPr lang="en-US" dirty="0" smtClean="0">
+              <a:latin typeface="Optima"/>
+              <a:cs typeface="Optima"/>
+            </a:endParaRPr>
+          </a:p>
+        </p:txBody>
+      </p:sp>
+    </p:spTree>
+    <p:extLst>
+      <p:ext uri="{BB962C8B-B14F-4D97-AF65-F5344CB8AC3E}">
+        <p14:creationId xmlns:p14="http://schemas.microsoft.com/office/powerpoint/2010/main" val="3879533730"/>
+      </p:ext>
+    </p:extLst>
+  </p:cSld>
+  <p:clrMapOvr>
+    <a:masterClrMapping/>
+  </p:clrMapOvr>
+</p:sld>
+</file>
+
+<file path=ppt/slides/slide8.xml><?xml version="1.0" encoding="utf-8"?>
+<p:sld xmlns:a="http://schemas.openxmlformats.org/drawingml/2006/main" xmlns:r="http://schemas.openxmlformats.org/officeDocument/2006/relationships" xmlns:p="http://schemas.openxmlformats.org/presentationml/2006/main">
+  <p:cSld>
+    <p:spTree>
+      <p:nvGrpSpPr>
+        <p:cNvPr id="1" name=""/>
+        <p:cNvGrpSpPr/>
+        <p:nvPr/>
+      </p:nvGrpSpPr>
+      <p:grpSpPr>
+        <a:xfrm>
+          <a:off x="0" y="0"/>
+          <a:ext cx="0" cy="0"/>
+          <a:chOff x="0" y="0"/>
+          <a:chExt cx="0" cy="0"/>
+        </a:xfrm>
+      </p:grpSpPr>
+      <p:sp>
+        <p:nvSpPr>
+          <p:cNvPr id="2" name="Title 1"/>
+          <p:cNvSpPr>
+            <a:spLocks noGrp="1"/>
+          </p:cNvSpPr>
+          <p:nvPr>
+            <p:ph type="title"/>
+          </p:nvPr>
+        </p:nvSpPr>
+        <p:spPr/>
+        <p:txBody>
+          <a:bodyPr/>
+          <a:lstStyle/>
+          <a:p>
+            <a:r>
+              <a:rPr lang="en-US" dirty="0" smtClean="0">
+                <a:latin typeface="Optima"/>
+                <a:cs typeface="Optima"/>
+              </a:rPr>
+              <a:t>What Next?</a:t>
+            </a:r>
+            <a:endParaRPr lang="en-US" dirty="0">
+              <a:latin typeface="Optima"/>
+              <a:cs typeface="Optima"/>
+            </a:endParaRPr>
+          </a:p>
+        </p:txBody>
+      </p:sp>
+      <p:sp>
+        <p:nvSpPr>
+          <p:cNvPr id="3" name="Content Placeholder 2"/>
+          <p:cNvSpPr>
+            <a:spLocks noGrp="1"/>
+          </p:cNvSpPr>
+          <p:nvPr>
+            <p:ph idx="1"/>
+          </p:nvPr>
+        </p:nvSpPr>
+        <p:spPr/>
+        <p:txBody>
+          <a:bodyPr/>
+          <a:lstStyle/>
+          <a:p>
+            <a:r>
+              <a:rPr lang="en-US" dirty="0" smtClean="0">
+                <a:latin typeface="Optima"/>
+                <a:cs typeface="Optima"/>
+              </a:rPr>
               <a:t>Try the final projects!</a:t>
             </a:r>
           </a:p>
@@ -4208,7 +4669,7 @@
 </p:sld>
 </file>
 
-<file path=ppt/slides/slide7.xml><?xml version="1.0" encoding="utf-8"?>
+<file path=ppt/slides/slide9.xml><?xml version="1.0" encoding="utf-8"?>
 <p:sld xmlns:a="http://schemas.openxmlformats.org/drawingml/2006/main" xmlns:r="http://schemas.openxmlformats.org/officeDocument/2006/relationships" xmlns:p="http://schemas.openxmlformats.org/presentationml/2006/main">
   <p:cSld>
     <p:spTree>
